--- a/OperatingSystems.pptx
+++ b/OperatingSystems.pptx
@@ -4203,7 +4203,7 @@
   <dgm:whole/>
   <dgm:extLst>
     <a:ext uri="http://schemas.microsoft.com/office/drawing/2008/diagram">
-      <dsp:dataModelExt xmlns:dsp="http://schemas.microsoft.com/office/drawing/2008/diagram" relId="rId6" minVer="http://schemas.openxmlformats.org/drawingml/2006/diagram"/>
+      <dsp:dataModelExt xmlns:dsp="http://schemas.microsoft.com/office/drawing/2008/diagram" relId="rId7" minVer="http://schemas.openxmlformats.org/drawingml/2006/diagram"/>
     </a:ext>
   </dgm:extLst>
 </dgm:dataModel>
@@ -4535,7 +4535,7 @@
   <dgm:whole/>
   <dgm:extLst>
     <a:ext uri="http://schemas.microsoft.com/office/drawing/2008/diagram">
-      <dsp:dataModelExt xmlns:dsp="http://schemas.microsoft.com/office/drawing/2008/diagram" relId="rId6" minVer="http://schemas.openxmlformats.org/drawingml/2006/diagram"/>
+      <dsp:dataModelExt xmlns:dsp="http://schemas.microsoft.com/office/drawing/2008/diagram" relId="rId7" minVer="http://schemas.openxmlformats.org/drawingml/2006/diagram"/>
     </a:ext>
   </dgm:extLst>
 </dgm:dataModel>
@@ -18189,7 +18189,7 @@
 </file>
 
 <file path=ppt/slides/slide10.xml><?xml version="1.0" encoding="utf-8"?>
-<p:sld xmlns:a="http://schemas.openxmlformats.org/drawingml/2006/main" xmlns:r="http://schemas.openxmlformats.org/officeDocument/2006/relationships" xmlns:p="http://schemas.openxmlformats.org/presentationml/2006/main">
+<p:sld xmlns:a="http://schemas.openxmlformats.org/drawingml/2006/main" xmlns:r="http://schemas.openxmlformats.org/officeDocument/2006/relationships" xmlns:p="http://schemas.openxmlformats.org/presentationml/2006/main" show="0">
   <p:cSld>
     <p:bg>
       <p:bgPr>
@@ -18836,7 +18836,7 @@
           <p:nvPr/>
         </p:nvPicPr>
         <p:blipFill>
-          <a:blip r:embed="rId2"/>
+          <a:blip r:embed="rId3"/>
           <a:srcRect l="10527" r="50299" b="-1"/>
           <a:stretch>
             <a:fillRect/>
@@ -18969,7 +18969,7 @@
           </p:nvPr>
         </p:nvPicPr>
         <p:blipFill>
-          <a:blip r:embed="rId3">
+          <a:blip r:embed="rId4">
             <a:extLst>
               <a:ext uri="{28A0092B-C50C-407E-A947-70E740481C1C}">
                 <a14:useLocalDpi xmlns:a14="http://schemas.microsoft.com/office/drawing/2010/main" val="0"/>
@@ -19013,7 +19013,16 @@
           <a:lstStyle/>
           <a:p>
             <a:r>
-              <a:t>Application (30 min)</a:t>
+              <a:rPr dirty="0"/>
+              <a:t>Application (</a:t>
+            </a:r>
+            <a:r>
+              <a:rPr lang="en-US" dirty="0"/>
+              <a:t>2</a:t>
+            </a:r>
+            <a:r>
+              <a:rPr dirty="0"/>
+              <a:t>0 min)</a:t>
             </a:r>
           </a:p>
         </p:txBody>
@@ -19083,57 +19092,179 @@
           </a:p>
         </p:txBody>
       </p:sp>
-      <p:sp>
-        <p:nvSpPr>
-          <p:cNvPr id="4" name="Oval 3"/>
-          <p:cNvSpPr/>
-          <p:nvPr/>
-        </p:nvSpPr>
+      <p:pic>
+        <p:nvPicPr>
+          <p:cNvPr id="5" name="Online Media 2" title="20 Minute Timer">
+            <a:hlinkClick r:id="" action="ppaction://media"/>
+            <a:extLst>
+              <a:ext uri="{FF2B5EF4-FFF2-40B4-BE49-F238E27FC236}">
+                <a16:creationId xmlns:a16="http://schemas.microsoft.com/office/drawing/2014/main" id="{F401E8F1-6686-3350-BF72-EB4076350454}"/>
+              </a:ext>
+            </a:extLst>
+          </p:cNvPr>
+          <p:cNvPicPr>
+            <a:picLocks noRot="1" noChangeAspect="1"/>
+          </p:cNvPicPr>
+          <p:nvPr>
+            <a:videoFile r:link="rId1"/>
+          </p:nvPr>
+        </p:nvPicPr>
+        <p:blipFill>
+          <a:blip r:embed="rId5"/>
+          <a:stretch>
+            <a:fillRect/>
+          </a:stretch>
+        </p:blipFill>
         <p:spPr>
           <a:xfrm>
-            <a:off x="9296400" y="182880"/>
-            <a:ext cx="640080" cy="640080"/>
+            <a:off x="10109050" y="0"/>
+            <a:ext cx="2082950" cy="1176867"/>
           </a:xfrm>
-          <a:prstGeom prst="ellipse">
+          <a:prstGeom prst="rect">
             <a:avLst/>
           </a:prstGeom>
         </p:spPr>
-        <p:style>
-          <a:lnRef idx="1">
-            <a:schemeClr val="accent1"/>
-          </a:lnRef>
-          <a:fillRef idx="3">
-            <a:schemeClr val="accent1"/>
-          </a:fillRef>
-          <a:effectRef idx="2">
-            <a:schemeClr val="accent1"/>
-          </a:effectRef>
-          <a:fontRef idx="minor">
-            <a:schemeClr val="lt1"/>
-          </a:fontRef>
-        </p:style>
-        <p:txBody>
-          <a:bodyPr rtlCol="0" anchor="ctr"/>
-          <a:lstStyle/>
-          <a:p>
-            <a:pPr algn="l">
-              <a:spcAft>
-                <a:spcPts val="600"/>
-              </a:spcAft>
-            </a:pPr>
-            <a:r>
-              <a:rPr sz="1000"/>
-              <a:t>30 min</a:t>
-            </a:r>
-            <a:endParaRPr lang="en-US" sz="1000"/>
-          </a:p>
-        </p:txBody>
-      </p:sp>
+      </p:pic>
     </p:spTree>
   </p:cSld>
   <p:clrMapOvr>
     <a:masterClrMapping/>
   </p:clrMapOvr>
+  <p:timing>
+    <p:tnLst>
+      <p:par>
+        <p:cTn id="1" dur="indefinite" restart="never" nodeType="tmRoot">
+          <p:childTnLst>
+            <p:seq concurrent="1" nextAc="seek">
+              <p:cTn id="2" dur="indefinite" nodeType="mainSeq">
+                <p:childTnLst>
+                  <p:par>
+                    <p:cTn id="3" fill="hold">
+                      <p:stCondLst>
+                        <p:cond delay="indefinite"/>
+                      </p:stCondLst>
+                      <p:childTnLst>
+                        <p:par>
+                          <p:cTn id="4" fill="hold">
+                            <p:stCondLst>
+                              <p:cond delay="0"/>
+                            </p:stCondLst>
+                            <p:childTnLst>
+                              <p:par>
+                                <p:cTn id="5" presetID="1" presetClass="mediacall" presetSubtype="0" fill="hold" nodeType="clickEffect">
+                                  <p:stCondLst>
+                                    <p:cond delay="0"/>
+                                  </p:stCondLst>
+                                  <p:childTnLst>
+                                    <p:cmd type="call" cmd="playFrom(0.0)">
+                                      <p:cBhvr>
+                                        <p:cTn id="6" dur="1" fill="hold"/>
+                                        <p:tgtEl>
+                                          <p:spTgt spid="5"/>
+                                        </p:tgtEl>
+                                      </p:cBhvr>
+                                    </p:cmd>
+                                  </p:childTnLst>
+                                </p:cTn>
+                              </p:par>
+                            </p:childTnLst>
+                          </p:cTn>
+                        </p:par>
+                      </p:childTnLst>
+                    </p:cTn>
+                  </p:par>
+                </p:childTnLst>
+              </p:cTn>
+              <p:prevCondLst>
+                <p:cond evt="onPrev" delay="0">
+                  <p:tgtEl>
+                    <p:sldTgt/>
+                  </p:tgtEl>
+                </p:cond>
+              </p:prevCondLst>
+              <p:nextCondLst>
+                <p:cond evt="onNext" delay="0">
+                  <p:tgtEl>
+                    <p:sldTgt/>
+                  </p:tgtEl>
+                </p:cond>
+              </p:nextCondLst>
+            </p:seq>
+            <p:seq concurrent="1" nextAc="seek">
+              <p:cTn id="7" restart="whenNotActive" fill="hold" evtFilter="cancelBubble" nodeType="interactiveSeq">
+                <p:stCondLst>
+                  <p:cond evt="onClick" delay="0">
+                    <p:tgtEl>
+                      <p:spTgt spid="5"/>
+                    </p:tgtEl>
+                  </p:cond>
+                </p:stCondLst>
+                <p:endSync evt="end" delay="0">
+                  <p:rtn val="all"/>
+                </p:endSync>
+                <p:childTnLst>
+                  <p:par>
+                    <p:cTn id="8" fill="hold">
+                      <p:stCondLst>
+                        <p:cond delay="0"/>
+                      </p:stCondLst>
+                      <p:childTnLst>
+                        <p:par>
+                          <p:cTn id="9" fill="hold">
+                            <p:stCondLst>
+                              <p:cond delay="0"/>
+                            </p:stCondLst>
+                            <p:childTnLst>
+                              <p:par>
+                                <p:cTn id="10" presetID="2" presetClass="mediacall" presetSubtype="0" fill="hold" nodeType="clickEffect">
+                                  <p:stCondLst>
+                                    <p:cond delay="0"/>
+                                  </p:stCondLst>
+                                  <p:childTnLst>
+                                    <p:cmd type="call" cmd="togglePause">
+                                      <p:cBhvr>
+                                        <p:cTn id="11" dur="1" fill="hold"/>
+                                        <p:tgtEl>
+                                          <p:spTgt spid="5"/>
+                                        </p:tgtEl>
+                                      </p:cBhvr>
+                                    </p:cmd>
+                                  </p:childTnLst>
+                                </p:cTn>
+                              </p:par>
+                            </p:childTnLst>
+                          </p:cTn>
+                        </p:par>
+                      </p:childTnLst>
+                    </p:cTn>
+                  </p:par>
+                </p:childTnLst>
+              </p:cTn>
+              <p:nextCondLst>
+                <p:cond evt="onClick" delay="0">
+                  <p:tgtEl>
+                    <p:spTgt spid="5"/>
+                  </p:tgtEl>
+                </p:cond>
+              </p:nextCondLst>
+            </p:seq>
+            <p:video>
+              <p:cMediaNode vol="80000">
+                <p:cTn id="12" fill="hold" display="0">
+                  <p:stCondLst>
+                    <p:cond delay="indefinite"/>
+                  </p:stCondLst>
+                </p:cTn>
+                <p:tgtEl>
+                  <p:spTgt spid="5"/>
+                </p:tgtEl>
+              </p:cMediaNode>
+            </p:video>
+          </p:childTnLst>
+        </p:cTn>
+      </p:par>
+    </p:tnLst>
+  </p:timing>
 </p:sld>
 </file>
 
@@ -19251,13 +19382,13 @@
           <p:nvPr/>
         </p:nvPicPr>
         <p:blipFill>
-          <a:blip r:embed="rId2">
+          <a:blip r:embed="rId3">
             <a:extLst>
               <a:ext uri="{28A0092B-C50C-407E-A947-70E740481C1C}">
                 <a14:useLocalDpi xmlns:a14="http://schemas.microsoft.com/office/drawing/2010/main" val="0"/>
               </a:ext>
               <a:ext uri="{96DAC541-7B7A-43D3-8B79-37D633B846F1}">
-                <asvg:svgBlip xmlns:asvg="http://schemas.microsoft.com/office/drawing/2016/SVG/main" r:embed="rId3"/>
+                <asvg:svgBlip xmlns:asvg="http://schemas.microsoft.com/office/drawing/2016/SVG/main" r:embed="rId4"/>
               </a:ext>
             </a:extLst>
           </a:blip>
@@ -19299,7 +19430,7 @@
           </p:nvPr>
         </p:nvPicPr>
         <p:blipFill>
-          <a:blip r:embed="rId4">
+          <a:blip r:embed="rId5">
             <a:extLst>
               <a:ext uri="{28A0092B-C50C-407E-A947-70E740481C1C}">
                 <a14:useLocalDpi xmlns:a14="http://schemas.microsoft.com/office/drawing/2010/main" val="0"/>
@@ -19380,57 +19511,179 @@
           </a:p>
         </p:txBody>
       </p:sp>
-      <p:sp>
-        <p:nvSpPr>
-          <p:cNvPr id="4" name="Oval 3"/>
-          <p:cNvSpPr/>
-          <p:nvPr/>
-        </p:nvSpPr>
+      <p:pic>
+        <p:nvPicPr>
+          <p:cNvPr id="5" name="Online Media 4" title="15 Minute Timer">
+            <a:hlinkClick r:id="" action="ppaction://media"/>
+            <a:extLst>
+              <a:ext uri="{FF2B5EF4-FFF2-40B4-BE49-F238E27FC236}">
+                <a16:creationId xmlns:a16="http://schemas.microsoft.com/office/drawing/2014/main" id="{FE6181AE-3262-5705-C4AF-059C20D220AB}"/>
+              </a:ext>
+            </a:extLst>
+          </p:cNvPr>
+          <p:cNvPicPr>
+            <a:picLocks noRot="1" noChangeAspect="1"/>
+          </p:cNvPicPr>
+          <p:nvPr>
+            <a:videoFile r:link="rId1"/>
+          </p:nvPr>
+        </p:nvPicPr>
+        <p:blipFill>
+          <a:blip r:embed="rId6"/>
+          <a:stretch>
+            <a:fillRect/>
+          </a:stretch>
+        </p:blipFill>
         <p:spPr>
           <a:xfrm>
-            <a:off x="9296400" y="182880"/>
-            <a:ext cx="640080" cy="640080"/>
+            <a:off x="8553704" y="0"/>
+            <a:ext cx="3638296" cy="2055637"/>
           </a:xfrm>
-          <a:prstGeom prst="ellipse">
+          <a:prstGeom prst="rect">
             <a:avLst/>
           </a:prstGeom>
         </p:spPr>
-        <p:style>
-          <a:lnRef idx="1">
-            <a:schemeClr val="accent1"/>
-          </a:lnRef>
-          <a:fillRef idx="3">
-            <a:schemeClr val="accent1"/>
-          </a:fillRef>
-          <a:effectRef idx="2">
-            <a:schemeClr val="accent1"/>
-          </a:effectRef>
-          <a:fontRef idx="minor">
-            <a:schemeClr val="lt1"/>
-          </a:fontRef>
-        </p:style>
-        <p:txBody>
-          <a:bodyPr rtlCol="0" anchor="ctr"/>
-          <a:lstStyle/>
-          <a:p>
-            <a:pPr algn="l">
-              <a:spcAft>
-                <a:spcPts val="600"/>
-              </a:spcAft>
-            </a:pPr>
-            <a:r>
-              <a:rPr sz="1000"/>
-              <a:t>15 min</a:t>
-            </a:r>
-            <a:endParaRPr lang="en-US" sz="1000"/>
-          </a:p>
-        </p:txBody>
-      </p:sp>
+      </p:pic>
     </p:spTree>
   </p:cSld>
   <p:clrMapOvr>
     <a:masterClrMapping/>
   </p:clrMapOvr>
+  <p:timing>
+    <p:tnLst>
+      <p:par>
+        <p:cTn id="1" dur="indefinite" restart="never" nodeType="tmRoot">
+          <p:childTnLst>
+            <p:seq concurrent="1" nextAc="seek">
+              <p:cTn id="2" dur="indefinite" nodeType="mainSeq">
+                <p:childTnLst>
+                  <p:par>
+                    <p:cTn id="3" fill="hold">
+                      <p:stCondLst>
+                        <p:cond delay="indefinite"/>
+                      </p:stCondLst>
+                      <p:childTnLst>
+                        <p:par>
+                          <p:cTn id="4" fill="hold">
+                            <p:stCondLst>
+                              <p:cond delay="0"/>
+                            </p:stCondLst>
+                            <p:childTnLst>
+                              <p:par>
+                                <p:cTn id="5" presetID="1" presetClass="mediacall" presetSubtype="0" fill="hold" nodeType="clickEffect">
+                                  <p:stCondLst>
+                                    <p:cond delay="0"/>
+                                  </p:stCondLst>
+                                  <p:childTnLst>
+                                    <p:cmd type="call" cmd="playFrom(0.0)">
+                                      <p:cBhvr>
+                                        <p:cTn id="6" dur="1" fill="hold"/>
+                                        <p:tgtEl>
+                                          <p:spTgt spid="5"/>
+                                        </p:tgtEl>
+                                      </p:cBhvr>
+                                    </p:cmd>
+                                  </p:childTnLst>
+                                </p:cTn>
+                              </p:par>
+                            </p:childTnLst>
+                          </p:cTn>
+                        </p:par>
+                      </p:childTnLst>
+                    </p:cTn>
+                  </p:par>
+                </p:childTnLst>
+              </p:cTn>
+              <p:prevCondLst>
+                <p:cond evt="onPrev" delay="0">
+                  <p:tgtEl>
+                    <p:sldTgt/>
+                  </p:tgtEl>
+                </p:cond>
+              </p:prevCondLst>
+              <p:nextCondLst>
+                <p:cond evt="onNext" delay="0">
+                  <p:tgtEl>
+                    <p:sldTgt/>
+                  </p:tgtEl>
+                </p:cond>
+              </p:nextCondLst>
+            </p:seq>
+            <p:video>
+              <p:cMediaNode vol="80000">
+                <p:cTn id="7" fill="hold" display="0">
+                  <p:stCondLst>
+                    <p:cond delay="indefinite"/>
+                  </p:stCondLst>
+                </p:cTn>
+                <p:tgtEl>
+                  <p:spTgt spid="5"/>
+                </p:tgtEl>
+              </p:cMediaNode>
+            </p:video>
+            <p:seq concurrent="1" nextAc="seek">
+              <p:cTn id="8" restart="whenNotActive" fill="hold" evtFilter="cancelBubble" nodeType="interactiveSeq">
+                <p:stCondLst>
+                  <p:cond evt="onClick" delay="0">
+                    <p:tgtEl>
+                      <p:spTgt spid="5"/>
+                    </p:tgtEl>
+                  </p:cond>
+                </p:stCondLst>
+                <p:endSync evt="end" delay="0">
+                  <p:rtn val="all"/>
+                </p:endSync>
+                <p:childTnLst>
+                  <p:par>
+                    <p:cTn id="9" fill="hold">
+                      <p:stCondLst>
+                        <p:cond delay="0"/>
+                      </p:stCondLst>
+                      <p:childTnLst>
+                        <p:par>
+                          <p:cTn id="10" fill="hold">
+                            <p:stCondLst>
+                              <p:cond delay="0"/>
+                            </p:stCondLst>
+                            <p:childTnLst>
+                              <p:par>
+                                <p:cTn id="11" presetID="2" presetClass="mediacall" presetSubtype="0" fill="hold" nodeType="clickEffect">
+                                  <p:stCondLst>
+                                    <p:cond delay="0"/>
+                                  </p:stCondLst>
+                                  <p:childTnLst>
+                                    <p:cmd type="call" cmd="togglePause">
+                                      <p:cBhvr>
+                                        <p:cTn id="12" dur="1" fill="hold"/>
+                                        <p:tgtEl>
+                                          <p:spTgt spid="5"/>
+                                        </p:tgtEl>
+                                      </p:cBhvr>
+                                    </p:cmd>
+                                  </p:childTnLst>
+                                </p:cTn>
+                              </p:par>
+                            </p:childTnLst>
+                          </p:cTn>
+                        </p:par>
+                      </p:childTnLst>
+                    </p:cTn>
+                  </p:par>
+                </p:childTnLst>
+              </p:cTn>
+              <p:nextCondLst>
+                <p:cond evt="onClick" delay="0">
+                  <p:tgtEl>
+                    <p:spTgt spid="5"/>
+                  </p:tgtEl>
+                </p:cond>
+              </p:nextCondLst>
+            </p:seq>
+          </p:childTnLst>
+        </p:cTn>
+      </p:par>
+    </p:tnLst>
+  </p:timing>
 </p:sld>
 </file>
 
@@ -19548,13 +19801,13 @@
           <p:nvPr/>
         </p:nvPicPr>
         <p:blipFill>
-          <a:blip r:embed="rId2">
+          <a:blip r:embed="rId3">
             <a:extLst>
               <a:ext uri="{28A0092B-C50C-407E-A947-70E740481C1C}">
                 <a14:useLocalDpi xmlns:a14="http://schemas.microsoft.com/office/drawing/2010/main" val="0"/>
               </a:ext>
               <a:ext uri="{96DAC541-7B7A-43D3-8B79-37D633B846F1}">
-                <asvg:svgBlip xmlns:asvg="http://schemas.microsoft.com/office/drawing/2016/SVG/main" r:embed="rId3"/>
+                <asvg:svgBlip xmlns:asvg="http://schemas.microsoft.com/office/drawing/2016/SVG/main" r:embed="rId4"/>
               </a:ext>
             </a:extLst>
           </a:blip>
@@ -19596,7 +19849,7 @@
           </p:nvPr>
         </p:nvPicPr>
         <p:blipFill>
-          <a:blip r:embed="rId4">
+          <a:blip r:embed="rId5">
             <a:extLst>
               <a:ext uri="{28A0092B-C50C-407E-A947-70E740481C1C}">
                 <a14:useLocalDpi xmlns:a14="http://schemas.microsoft.com/office/drawing/2010/main" val="0"/>
@@ -19677,52 +19930,39 @@
           </a:p>
         </p:txBody>
       </p:sp>
-      <p:sp>
-        <p:nvSpPr>
-          <p:cNvPr id="4" name="Oval 3"/>
-          <p:cNvSpPr/>
-          <p:nvPr/>
-        </p:nvSpPr>
+      <p:pic>
+        <p:nvPicPr>
+          <p:cNvPr id="5" name="Online Media 2" title="5 Minute Timer">
+            <a:hlinkClick r:id="" action="ppaction://media"/>
+            <a:extLst>
+              <a:ext uri="{FF2B5EF4-FFF2-40B4-BE49-F238E27FC236}">
+                <a16:creationId xmlns:a16="http://schemas.microsoft.com/office/drawing/2014/main" id="{E13A3560-1182-1B0F-2426-DF93D447B2DC}"/>
+              </a:ext>
+            </a:extLst>
+          </p:cNvPr>
+          <p:cNvPicPr>
+            <a:picLocks noRot="1" noChangeAspect="1"/>
+          </p:cNvPicPr>
+          <p:nvPr>
+            <a:videoFile r:link="rId1"/>
+          </p:nvPr>
+        </p:nvPicPr>
+        <p:blipFill>
+          <a:blip r:embed="rId6"/>
+          <a:stretch>
+            <a:fillRect/>
+          </a:stretch>
+        </p:blipFill>
         <p:spPr>
           <a:xfrm>
-            <a:off x="9296400" y="182880"/>
-            <a:ext cx="640080" cy="640080"/>
+            <a:off x="9524390" y="0"/>
+            <a:ext cx="2667610" cy="1507200"/>
           </a:xfrm>
-          <a:prstGeom prst="ellipse">
+          <a:prstGeom prst="rect">
             <a:avLst/>
           </a:prstGeom>
         </p:spPr>
-        <p:style>
-          <a:lnRef idx="1">
-            <a:schemeClr val="accent1"/>
-          </a:lnRef>
-          <a:fillRef idx="3">
-            <a:schemeClr val="accent1"/>
-          </a:fillRef>
-          <a:effectRef idx="2">
-            <a:schemeClr val="accent1"/>
-          </a:effectRef>
-          <a:fontRef idx="minor">
-            <a:schemeClr val="lt1"/>
-          </a:fontRef>
-        </p:style>
-        <p:txBody>
-          <a:bodyPr rtlCol="0" anchor="ctr"/>
-          <a:lstStyle/>
-          <a:p>
-            <a:pPr algn="l">
-              <a:spcAft>
-                <a:spcPts val="600"/>
-              </a:spcAft>
-            </a:pPr>
-            <a:r>
-              <a:rPr sz="1000"/>
-              <a:t>5 min</a:t>
-            </a:r>
-            <a:endParaRPr lang="en-US" sz="1000"/>
-          </a:p>
-        </p:txBody>
-      </p:sp>
+      </p:pic>
     </p:spTree>
   </p:cSld>
   <p:clrMapOvr>
@@ -19833,6 +20073,41 @@
                       </p:childTnLst>
                     </p:cTn>
                   </p:par>
+                  <p:par>
+                    <p:cTn id="11" fill="hold">
+                      <p:stCondLst>
+                        <p:cond delay="indefinite"/>
+                      </p:stCondLst>
+                      <p:childTnLst>
+                        <p:par>
+                          <p:cTn id="12" fill="hold">
+                            <p:stCondLst>
+                              <p:cond delay="0"/>
+                            </p:stCondLst>
+                            <p:childTnLst>
+                              <p:par>
+                                <p:cTn id="13" presetID="1" presetClass="mediacall" presetSubtype="0" fill="hold" nodeType="clickEffect">
+                                  <p:stCondLst>
+                                    <p:cond delay="0"/>
+                                  </p:stCondLst>
+                                  <p:childTnLst>
+                                    <p:cmd type="call" cmd="playFrom(0.0)">
+                                      <p:cBhvr>
+                                        <p:cTn id="14" dur="1" fill="hold"/>
+                                        <p:tgtEl>
+                                          <p:spTgt spid="5"/>
+                                        </p:tgtEl>
+                                      </p:cBhvr>
+                                    </p:cmd>
+                                  </p:childTnLst>
+                                </p:cTn>
+                              </p:par>
+                            </p:childTnLst>
+                          </p:cTn>
+                        </p:par>
+                      </p:childTnLst>
+                    </p:cTn>
+                  </p:par>
                 </p:childTnLst>
               </p:cTn>
               <p:prevCondLst>
@@ -19850,6 +20125,76 @@
                 </p:cond>
               </p:nextCondLst>
             </p:seq>
+            <p:seq concurrent="1" nextAc="seek">
+              <p:cTn id="15" restart="whenNotActive" fill="hold" evtFilter="cancelBubble" nodeType="interactiveSeq">
+                <p:stCondLst>
+                  <p:cond evt="onClick" delay="0">
+                    <p:tgtEl>
+                      <p:spTgt spid="5"/>
+                    </p:tgtEl>
+                  </p:cond>
+                </p:stCondLst>
+                <p:endSync evt="end" delay="0">
+                  <p:rtn val="all"/>
+                </p:endSync>
+                <p:childTnLst>
+                  <p:par>
+                    <p:cTn id="16" fill="hold">
+                      <p:stCondLst>
+                        <p:cond delay="0"/>
+                      </p:stCondLst>
+                      <p:childTnLst>
+                        <p:par>
+                          <p:cTn id="17" fill="hold">
+                            <p:stCondLst>
+                              <p:cond delay="0"/>
+                            </p:stCondLst>
+                            <p:childTnLst>
+                              <p:par>
+                                <p:cTn id="18" presetID="2" presetClass="mediacall" presetSubtype="0" fill="hold" nodeType="clickEffect">
+                                  <p:stCondLst>
+                                    <p:cond delay="0"/>
+                                  </p:stCondLst>
+                                  <p:childTnLst>
+                                    <p:cmd type="call" cmd="togglePause">
+                                      <p:cBhvr>
+                                        <p:cTn id="19" dur="1" fill="hold"/>
+                                        <p:tgtEl>
+                                          <p:spTgt spid="5"/>
+                                        </p:tgtEl>
+                                      </p:cBhvr>
+                                    </p:cmd>
+                                  </p:childTnLst>
+                                </p:cTn>
+                              </p:par>
+                            </p:childTnLst>
+                          </p:cTn>
+                        </p:par>
+                      </p:childTnLst>
+                    </p:cTn>
+                  </p:par>
+                </p:childTnLst>
+              </p:cTn>
+              <p:nextCondLst>
+                <p:cond evt="onClick" delay="0">
+                  <p:tgtEl>
+                    <p:spTgt spid="5"/>
+                  </p:tgtEl>
+                </p:cond>
+              </p:nextCondLst>
+            </p:seq>
+            <p:video>
+              <p:cMediaNode vol="80000">
+                <p:cTn id="20" fill="hold" display="0">
+                  <p:stCondLst>
+                    <p:cond delay="indefinite"/>
+                  </p:stCondLst>
+                </p:cTn>
+                <p:tgtEl>
+                  <p:spTgt spid="5"/>
+                </p:tgtEl>
+              </p:cMediaNode>
+            </p:video>
           </p:childTnLst>
         </p:cTn>
       </p:par>
@@ -20248,56 +20593,183 @@
         </p:xfrm>
         <a:graphic>
           <a:graphicData uri="http://schemas.openxmlformats.org/drawingml/2006/diagram">
-            <dgm:relIds xmlns:dgm="http://schemas.openxmlformats.org/drawingml/2006/diagram" xmlns:r="http://schemas.openxmlformats.org/officeDocument/2006/relationships" r:dm="rId2" r:lo="rId3" r:qs="rId4" r:cs="rId5"/>
+            <dgm:relIds xmlns:dgm="http://schemas.openxmlformats.org/drawingml/2006/diagram" xmlns:r="http://schemas.openxmlformats.org/officeDocument/2006/relationships" r:dm="rId3" r:lo="rId4" r:qs="rId5" r:cs="rId6"/>
           </a:graphicData>
         </a:graphic>
       </p:graphicFrame>
-      <p:sp>
-        <p:nvSpPr>
-          <p:cNvPr id="4" name="Oval 3"/>
-          <p:cNvSpPr/>
-          <p:nvPr/>
-        </p:nvSpPr>
+      <p:pic>
+        <p:nvPicPr>
+          <p:cNvPr id="3" name="Online Media 2" title="5 Minute Timer">
+            <a:hlinkClick r:id="" action="ppaction://media"/>
+            <a:extLst>
+              <a:ext uri="{FF2B5EF4-FFF2-40B4-BE49-F238E27FC236}">
+                <a16:creationId xmlns:a16="http://schemas.microsoft.com/office/drawing/2014/main" id="{DE4FEC93-F579-C459-1C51-7FC3EC0BD036}"/>
+              </a:ext>
+            </a:extLst>
+          </p:cNvPr>
+          <p:cNvPicPr>
+            <a:picLocks noRot="1" noChangeAspect="1"/>
+          </p:cNvPicPr>
+          <p:nvPr>
+            <a:videoFile r:link="rId1"/>
+          </p:nvPr>
+        </p:nvPicPr>
+        <p:blipFill>
+          <a:blip r:embed="rId8"/>
+          <a:stretch>
+            <a:fillRect/>
+          </a:stretch>
+        </p:blipFill>
         <p:spPr>
           <a:xfrm>
-            <a:off x="9296400" y="182880"/>
-            <a:ext cx="640080" cy="640080"/>
+            <a:off x="9524390" y="0"/>
+            <a:ext cx="2667610" cy="1507200"/>
           </a:xfrm>
-          <a:prstGeom prst="ellipse">
+          <a:prstGeom prst="rect">
             <a:avLst/>
           </a:prstGeom>
         </p:spPr>
-        <p:style>
-          <a:lnRef idx="1">
-            <a:schemeClr val="accent1"/>
-          </a:lnRef>
-          <a:fillRef idx="3">
-            <a:schemeClr val="accent1"/>
-          </a:fillRef>
-          <a:effectRef idx="2">
-            <a:schemeClr val="accent1"/>
-          </a:effectRef>
-          <a:fontRef idx="minor">
-            <a:schemeClr val="lt1"/>
-          </a:fontRef>
-        </p:style>
-        <p:txBody>
-          <a:bodyPr rtlCol="0" anchor="ctr"/>
-          <a:lstStyle/>
-          <a:p>
-            <a:pPr algn="l"/>
-            <a:r>
-              <a:rPr sz="1000"/>
-              <a:t>5 min</a:t>
-            </a:r>
-          </a:p>
-        </p:txBody>
-      </p:sp>
+      </p:pic>
     </p:spTree>
   </p:cSld>
   <p:clrMapOvr>
     <a:masterClrMapping/>
   </p:clrMapOvr>
+  <p:timing>
+    <p:tnLst>
+      <p:par>
+        <p:cTn id="1" dur="indefinite" restart="never" nodeType="tmRoot">
+          <p:childTnLst>
+            <p:seq concurrent="1" nextAc="seek">
+              <p:cTn id="2" dur="indefinite" nodeType="mainSeq">
+                <p:childTnLst>
+                  <p:par>
+                    <p:cTn id="3" fill="hold">
+                      <p:stCondLst>
+                        <p:cond delay="indefinite"/>
+                      </p:stCondLst>
+                      <p:childTnLst>
+                        <p:par>
+                          <p:cTn id="4" fill="hold">
+                            <p:stCondLst>
+                              <p:cond delay="0"/>
+                            </p:stCondLst>
+                            <p:childTnLst>
+                              <p:par>
+                                <p:cTn id="5" presetID="1" presetClass="mediacall" presetSubtype="0" fill="hold" nodeType="clickEffect">
+                                  <p:stCondLst>
+                                    <p:cond delay="0"/>
+                                  </p:stCondLst>
+                                  <p:childTnLst>
+                                    <p:cmd type="call" cmd="playFrom(0.0)">
+                                      <p:cBhvr>
+                                        <p:cTn id="6" dur="1" fill="hold"/>
+                                        <p:tgtEl>
+                                          <p:spTgt spid="3"/>
+                                        </p:tgtEl>
+                                      </p:cBhvr>
+                                    </p:cmd>
+                                  </p:childTnLst>
+                                </p:cTn>
+                              </p:par>
+                            </p:childTnLst>
+                          </p:cTn>
+                        </p:par>
+                      </p:childTnLst>
+                    </p:cTn>
+                  </p:par>
+                </p:childTnLst>
+              </p:cTn>
+              <p:prevCondLst>
+                <p:cond evt="onPrev" delay="0">
+                  <p:tgtEl>
+                    <p:sldTgt/>
+                  </p:tgtEl>
+                </p:cond>
+              </p:prevCondLst>
+              <p:nextCondLst>
+                <p:cond evt="onNext" delay="0">
+                  <p:tgtEl>
+                    <p:sldTgt/>
+                  </p:tgtEl>
+                </p:cond>
+              </p:nextCondLst>
+            </p:seq>
+            <p:video>
+              <p:cMediaNode vol="80000">
+                <p:cTn id="7" fill="hold" display="0">
+                  <p:stCondLst>
+                    <p:cond delay="indefinite"/>
+                  </p:stCondLst>
+                </p:cTn>
+                <p:tgtEl>
+                  <p:spTgt spid="3"/>
+                </p:tgtEl>
+              </p:cMediaNode>
+            </p:video>
+            <p:seq concurrent="1" nextAc="seek">
+              <p:cTn id="8" restart="whenNotActive" fill="hold" evtFilter="cancelBubble" nodeType="interactiveSeq">
+                <p:stCondLst>
+                  <p:cond evt="onClick" delay="0">
+                    <p:tgtEl>
+                      <p:spTgt spid="3"/>
+                    </p:tgtEl>
+                  </p:cond>
+                </p:stCondLst>
+                <p:endSync evt="end" delay="0">
+                  <p:rtn val="all"/>
+                </p:endSync>
+                <p:childTnLst>
+                  <p:par>
+                    <p:cTn id="9" fill="hold">
+                      <p:stCondLst>
+                        <p:cond delay="0"/>
+                      </p:stCondLst>
+                      <p:childTnLst>
+                        <p:par>
+                          <p:cTn id="10" fill="hold">
+                            <p:stCondLst>
+                              <p:cond delay="0"/>
+                            </p:stCondLst>
+                            <p:childTnLst>
+                              <p:par>
+                                <p:cTn id="11" presetID="2" presetClass="mediacall" presetSubtype="0" fill="hold" nodeType="clickEffect">
+                                  <p:stCondLst>
+                                    <p:cond delay="0"/>
+                                  </p:stCondLst>
+                                  <p:childTnLst>
+                                    <p:cmd type="call" cmd="togglePause">
+                                      <p:cBhvr>
+                                        <p:cTn id="12" dur="1" fill="hold"/>
+                                        <p:tgtEl>
+                                          <p:spTgt spid="3"/>
+                                        </p:tgtEl>
+                                      </p:cBhvr>
+                                    </p:cmd>
+                                  </p:childTnLst>
+                                </p:cTn>
+                              </p:par>
+                            </p:childTnLst>
+                          </p:cTn>
+                        </p:par>
+                      </p:childTnLst>
+                    </p:cTn>
+                  </p:par>
+                </p:childTnLst>
+              </p:cTn>
+              <p:nextCondLst>
+                <p:cond evt="onClick" delay="0">
+                  <p:tgtEl>
+                    <p:spTgt spid="3"/>
+                  </p:tgtEl>
+                </p:cond>
+              </p:nextCondLst>
+            </p:seq>
+          </p:childTnLst>
+        </p:cTn>
+      </p:par>
+    </p:tnLst>
+  </p:timing>
 </p:sld>
 </file>
 
@@ -20362,56 +20834,183 @@
         </p:xfrm>
         <a:graphic>
           <a:graphicData uri="http://schemas.openxmlformats.org/drawingml/2006/diagram">
-            <dgm:relIds xmlns:dgm="http://schemas.openxmlformats.org/drawingml/2006/diagram" xmlns:r="http://schemas.openxmlformats.org/officeDocument/2006/relationships" r:dm="rId2" r:lo="rId3" r:qs="rId4" r:cs="rId5"/>
+            <dgm:relIds xmlns:dgm="http://schemas.openxmlformats.org/drawingml/2006/diagram" xmlns:r="http://schemas.openxmlformats.org/officeDocument/2006/relationships" r:dm="rId3" r:lo="rId4" r:qs="rId5" r:cs="rId6"/>
           </a:graphicData>
         </a:graphic>
       </p:graphicFrame>
-      <p:sp>
-        <p:nvSpPr>
-          <p:cNvPr id="4" name="Oval 3"/>
-          <p:cNvSpPr/>
-          <p:nvPr/>
-        </p:nvSpPr>
+      <p:pic>
+        <p:nvPicPr>
+          <p:cNvPr id="3" name="Online Media 2" title="20 Minute Timer">
+            <a:hlinkClick r:id="" action="ppaction://media"/>
+            <a:extLst>
+              <a:ext uri="{FF2B5EF4-FFF2-40B4-BE49-F238E27FC236}">
+                <a16:creationId xmlns:a16="http://schemas.microsoft.com/office/drawing/2014/main" id="{14DE562C-F0B0-82E0-50D0-7BD8F3845704}"/>
+              </a:ext>
+            </a:extLst>
+          </p:cNvPr>
+          <p:cNvPicPr>
+            <a:picLocks noRot="1" noChangeAspect="1"/>
+          </p:cNvPicPr>
+          <p:nvPr>
+            <a:videoFile r:link="rId1"/>
+          </p:nvPr>
+        </p:nvPicPr>
+        <p:blipFill>
+          <a:blip r:embed="rId8"/>
+          <a:stretch>
+            <a:fillRect/>
+          </a:stretch>
+        </p:blipFill>
         <p:spPr>
           <a:xfrm>
-            <a:off x="9296400" y="182880"/>
-            <a:ext cx="640080" cy="640080"/>
+            <a:off x="8760377" y="0"/>
+            <a:ext cx="3431623" cy="1938867"/>
           </a:xfrm>
-          <a:prstGeom prst="ellipse">
+          <a:prstGeom prst="rect">
             <a:avLst/>
           </a:prstGeom>
         </p:spPr>
-        <p:style>
-          <a:lnRef idx="1">
-            <a:schemeClr val="accent1"/>
-          </a:lnRef>
-          <a:fillRef idx="3">
-            <a:schemeClr val="accent1"/>
-          </a:fillRef>
-          <a:effectRef idx="2">
-            <a:schemeClr val="accent1"/>
-          </a:effectRef>
-          <a:fontRef idx="minor">
-            <a:schemeClr val="lt1"/>
-          </a:fontRef>
-        </p:style>
-        <p:txBody>
-          <a:bodyPr rtlCol="0" anchor="ctr"/>
-          <a:lstStyle/>
-          <a:p>
-            <a:pPr algn="l"/>
-            <a:r>
-              <a:rPr sz="1000"/>
-              <a:t>20 min</a:t>
-            </a:r>
-          </a:p>
-        </p:txBody>
-      </p:sp>
+      </p:pic>
     </p:spTree>
   </p:cSld>
   <p:clrMapOvr>
     <a:masterClrMapping/>
   </p:clrMapOvr>
+  <p:timing>
+    <p:tnLst>
+      <p:par>
+        <p:cTn id="1" dur="indefinite" restart="never" nodeType="tmRoot">
+          <p:childTnLst>
+            <p:seq concurrent="1" nextAc="seek">
+              <p:cTn id="2" dur="indefinite" nodeType="mainSeq">
+                <p:childTnLst>
+                  <p:par>
+                    <p:cTn id="3" fill="hold">
+                      <p:stCondLst>
+                        <p:cond delay="indefinite"/>
+                      </p:stCondLst>
+                      <p:childTnLst>
+                        <p:par>
+                          <p:cTn id="4" fill="hold">
+                            <p:stCondLst>
+                              <p:cond delay="0"/>
+                            </p:stCondLst>
+                            <p:childTnLst>
+                              <p:par>
+                                <p:cTn id="5" presetID="1" presetClass="mediacall" presetSubtype="0" fill="hold" nodeType="clickEffect">
+                                  <p:stCondLst>
+                                    <p:cond delay="0"/>
+                                  </p:stCondLst>
+                                  <p:childTnLst>
+                                    <p:cmd type="call" cmd="playFrom(0.0)">
+                                      <p:cBhvr>
+                                        <p:cTn id="6" dur="1" fill="hold"/>
+                                        <p:tgtEl>
+                                          <p:spTgt spid="3"/>
+                                        </p:tgtEl>
+                                      </p:cBhvr>
+                                    </p:cmd>
+                                  </p:childTnLst>
+                                </p:cTn>
+                              </p:par>
+                            </p:childTnLst>
+                          </p:cTn>
+                        </p:par>
+                      </p:childTnLst>
+                    </p:cTn>
+                  </p:par>
+                </p:childTnLst>
+              </p:cTn>
+              <p:prevCondLst>
+                <p:cond evt="onPrev" delay="0">
+                  <p:tgtEl>
+                    <p:sldTgt/>
+                  </p:tgtEl>
+                </p:cond>
+              </p:prevCondLst>
+              <p:nextCondLst>
+                <p:cond evt="onNext" delay="0">
+                  <p:tgtEl>
+                    <p:sldTgt/>
+                  </p:tgtEl>
+                </p:cond>
+              </p:nextCondLst>
+            </p:seq>
+            <p:video>
+              <p:cMediaNode vol="80000">
+                <p:cTn id="7" fill="hold" display="0">
+                  <p:stCondLst>
+                    <p:cond delay="indefinite"/>
+                  </p:stCondLst>
+                </p:cTn>
+                <p:tgtEl>
+                  <p:spTgt spid="3"/>
+                </p:tgtEl>
+              </p:cMediaNode>
+            </p:video>
+            <p:seq concurrent="1" nextAc="seek">
+              <p:cTn id="8" restart="whenNotActive" fill="hold" evtFilter="cancelBubble" nodeType="interactiveSeq">
+                <p:stCondLst>
+                  <p:cond evt="onClick" delay="0">
+                    <p:tgtEl>
+                      <p:spTgt spid="3"/>
+                    </p:tgtEl>
+                  </p:cond>
+                </p:stCondLst>
+                <p:endSync evt="end" delay="0">
+                  <p:rtn val="all"/>
+                </p:endSync>
+                <p:childTnLst>
+                  <p:par>
+                    <p:cTn id="9" fill="hold">
+                      <p:stCondLst>
+                        <p:cond delay="0"/>
+                      </p:stCondLst>
+                      <p:childTnLst>
+                        <p:par>
+                          <p:cTn id="10" fill="hold">
+                            <p:stCondLst>
+                              <p:cond delay="0"/>
+                            </p:stCondLst>
+                            <p:childTnLst>
+                              <p:par>
+                                <p:cTn id="11" presetID="2" presetClass="mediacall" presetSubtype="0" fill="hold" nodeType="clickEffect">
+                                  <p:stCondLst>
+                                    <p:cond delay="0"/>
+                                  </p:stCondLst>
+                                  <p:childTnLst>
+                                    <p:cmd type="call" cmd="togglePause">
+                                      <p:cBhvr>
+                                        <p:cTn id="12" dur="1" fill="hold"/>
+                                        <p:tgtEl>
+                                          <p:spTgt spid="3"/>
+                                        </p:tgtEl>
+                                      </p:cBhvr>
+                                    </p:cmd>
+                                  </p:childTnLst>
+                                </p:cTn>
+                              </p:par>
+                            </p:childTnLst>
+                          </p:cTn>
+                        </p:par>
+                      </p:childTnLst>
+                    </p:cTn>
+                  </p:par>
+                </p:childTnLst>
+              </p:cTn>
+              <p:nextCondLst>
+                <p:cond evt="onClick" delay="0">
+                  <p:tgtEl>
+                    <p:spTgt spid="3"/>
+                  </p:tgtEl>
+                </p:cond>
+              </p:nextCondLst>
+            </p:seq>
+          </p:childTnLst>
+        </p:cTn>
+      </p:par>
+    </p:tnLst>
+  </p:timing>
 </p:sld>
 </file>
 
@@ -20702,52 +21301,6 @@
           </a:prstGeom>
         </p:spPr>
       </p:pic>
-      <p:sp>
-        <p:nvSpPr>
-          <p:cNvPr id="4" name="Oval 3"/>
-          <p:cNvSpPr/>
-          <p:nvPr/>
-        </p:nvSpPr>
-        <p:spPr>
-          <a:xfrm>
-            <a:off x="9296400" y="182880"/>
-            <a:ext cx="640080" cy="640080"/>
-          </a:xfrm>
-          <a:prstGeom prst="ellipse">
-            <a:avLst/>
-          </a:prstGeom>
-        </p:spPr>
-        <p:style>
-          <a:lnRef idx="1">
-            <a:schemeClr val="accent1"/>
-          </a:lnRef>
-          <a:fillRef idx="3">
-            <a:schemeClr val="accent1"/>
-          </a:fillRef>
-          <a:effectRef idx="2">
-            <a:schemeClr val="accent1"/>
-          </a:effectRef>
-          <a:fontRef idx="minor">
-            <a:schemeClr val="lt1"/>
-          </a:fontRef>
-        </p:style>
-        <p:txBody>
-          <a:bodyPr rtlCol="0" anchor="ctr"/>
-          <a:lstStyle/>
-          <a:p>
-            <a:pPr algn="l">
-              <a:spcAft>
-                <a:spcPts val="600"/>
-              </a:spcAft>
-            </a:pPr>
-            <a:r>
-              <a:rPr sz="1000"/>
-              <a:t>15 min</a:t>
-            </a:r>
-            <a:endParaRPr lang="en-US" sz="1000"/>
-          </a:p>
-        </p:txBody>
-      </p:sp>
       <p:graphicFrame>
         <p:nvGraphicFramePr>
           <p:cNvPr id="6" name="Content Placeholder 2">
@@ -20779,6 +21332,41 @@
           </a:graphicData>
         </a:graphic>
       </p:graphicFrame>
+      <p:sp>
+        <p:nvSpPr>
+          <p:cNvPr id="3" name="TextBox 2">
+            <a:extLst>
+              <a:ext uri="{FF2B5EF4-FFF2-40B4-BE49-F238E27FC236}">
+                <a16:creationId xmlns:a16="http://schemas.microsoft.com/office/drawing/2014/main" id="{647B1FF0-ADC1-EDE1-41B2-1942FF568AA6}"/>
+              </a:ext>
+            </a:extLst>
+          </p:cNvPr>
+          <p:cNvSpPr txBox="1"/>
+          <p:nvPr/>
+        </p:nvSpPr>
+        <p:spPr>
+          <a:xfrm>
+            <a:off x="4411133" y="5647267"/>
+            <a:ext cx="7526867" cy="923330"/>
+          </a:xfrm>
+          <a:prstGeom prst="rect">
+            <a:avLst/>
+          </a:prstGeom>
+          <a:noFill/>
+        </p:spPr>
+        <p:txBody>
+          <a:bodyPr wrap="square" rtlCol="0">
+            <a:spAutoFit/>
+          </a:bodyPr>
+          <a:lstStyle/>
+          <a:p>
+            <a:r>
+              <a:rPr lang="en-US" dirty="0"/>
+              <a:t>Instructor: The rest of the slides are hidden from the class. You will need to step displaying your screen and only communicate the action to the person acting it out.</a:t>
+            </a:r>
+          </a:p>
+        </p:txBody>
+      </p:sp>
     </p:spTree>
   </p:cSld>
   <p:clrMapOvr>
@@ -20788,7 +21376,7 @@
 </file>
 
 <file path=ppt/slides/slide6.xml><?xml version="1.0" encoding="utf-8"?>
-<p:sld xmlns:a="http://schemas.openxmlformats.org/drawingml/2006/main" xmlns:r="http://schemas.openxmlformats.org/officeDocument/2006/relationships" xmlns:p="http://schemas.openxmlformats.org/presentationml/2006/main">
+<p:sld xmlns:a="http://schemas.openxmlformats.org/drawingml/2006/main" xmlns:r="http://schemas.openxmlformats.org/officeDocument/2006/relationships" xmlns:p="http://schemas.openxmlformats.org/presentationml/2006/main" show="0">
   <p:cSld>
     <p:bg>
       <p:bgPr>
@@ -21230,7 +21818,7 @@
 </file>
 
 <file path=ppt/slides/slide7.xml><?xml version="1.0" encoding="utf-8"?>
-<p:sld xmlns:a="http://schemas.openxmlformats.org/drawingml/2006/main" xmlns:r="http://schemas.openxmlformats.org/officeDocument/2006/relationships" xmlns:p="http://schemas.openxmlformats.org/presentationml/2006/main">
+<p:sld xmlns:a="http://schemas.openxmlformats.org/drawingml/2006/main" xmlns:r="http://schemas.openxmlformats.org/officeDocument/2006/relationships" xmlns:p="http://schemas.openxmlformats.org/presentationml/2006/main" show="0">
   <p:cSld>
     <p:bg>
       <p:bgPr>
@@ -21630,7 +22218,7 @@
 </file>
 
 <file path=ppt/slides/slide8.xml><?xml version="1.0" encoding="utf-8"?>
-<p:sld xmlns:a="http://schemas.openxmlformats.org/drawingml/2006/main" xmlns:r="http://schemas.openxmlformats.org/officeDocument/2006/relationships" xmlns:p="http://schemas.openxmlformats.org/presentationml/2006/main">
+<p:sld xmlns:a="http://schemas.openxmlformats.org/drawingml/2006/main" xmlns:r="http://schemas.openxmlformats.org/officeDocument/2006/relationships" xmlns:p="http://schemas.openxmlformats.org/presentationml/2006/main" show="0">
   <p:cSld>
     <p:bg>
       <p:bgPr>
@@ -22164,7 +22752,7 @@
 </file>
 
 <file path=ppt/slides/slide9.xml><?xml version="1.0" encoding="utf-8"?>
-<p:sld xmlns:a="http://schemas.openxmlformats.org/drawingml/2006/main" xmlns:r="http://schemas.openxmlformats.org/officeDocument/2006/relationships" xmlns:p="http://schemas.openxmlformats.org/presentationml/2006/main">
+<p:sld xmlns:a="http://schemas.openxmlformats.org/drawingml/2006/main" xmlns:r="http://schemas.openxmlformats.org/officeDocument/2006/relationships" xmlns:p="http://schemas.openxmlformats.org/presentationml/2006/main" show="0">
   <p:cSld>
     <p:bg>
       <p:bgPr>
